--- a/20230215_VXI-11 通信の概要/660.pptx
+++ b/20230215_VXI-11 通信の概要/660.pptx
@@ -222,7 +222,7 @@
           <a:p>
             <a:fld id="{8A4CF053-040B-44B7-89E9-8CB547445B7F}" type="datetimeFigureOut">
               <a:rPr kumimoji="1" lang="ja-JP" altLang="en-US" smtClean="0"/>
-              <a:t>2023/2/24</a:t>
+              <a:t>2023/6/10</a:t>
             </a:fld>
             <a:endParaRPr kumimoji="1" lang="ja-JP" altLang="en-US"/>
           </a:p>
@@ -752,7 +752,7 @@
           <a:p>
             <a:fld id="{450CE236-8E69-46A3-A89B-50E3FB1BE869}" type="datetimeFigureOut">
               <a:rPr kumimoji="1" lang="ja-JP" altLang="en-US" smtClean="0"/>
-              <a:t>2023/2/24</a:t>
+              <a:t>2023/6/10</a:t>
             </a:fld>
             <a:endParaRPr kumimoji="1" lang="ja-JP" altLang="en-US"/>
           </a:p>
@@ -982,7 +982,7 @@
           <a:p>
             <a:fld id="{450CE236-8E69-46A3-A89B-50E3FB1BE869}" type="datetimeFigureOut">
               <a:rPr kumimoji="1" lang="ja-JP" altLang="en-US" smtClean="0"/>
-              <a:t>2023/2/24</a:t>
+              <a:t>2023/6/10</a:t>
             </a:fld>
             <a:endParaRPr kumimoji="1" lang="ja-JP" altLang="en-US"/>
           </a:p>
@@ -1222,7 +1222,7 @@
           <a:p>
             <a:fld id="{450CE236-8E69-46A3-A89B-50E3FB1BE869}" type="datetimeFigureOut">
               <a:rPr kumimoji="1" lang="ja-JP" altLang="en-US" smtClean="0"/>
-              <a:t>2023/2/24</a:t>
+              <a:t>2023/6/10</a:t>
             </a:fld>
             <a:endParaRPr kumimoji="1" lang="ja-JP" altLang="en-US"/>
           </a:p>
@@ -1452,7 +1452,7 @@
           <a:p>
             <a:fld id="{450CE236-8E69-46A3-A89B-50E3FB1BE869}" type="datetimeFigureOut">
               <a:rPr kumimoji="1" lang="ja-JP" altLang="en-US" smtClean="0"/>
-              <a:t>2023/2/24</a:t>
+              <a:t>2023/6/10</a:t>
             </a:fld>
             <a:endParaRPr kumimoji="1" lang="ja-JP" altLang="en-US"/>
           </a:p>
@@ -1727,7 +1727,7 @@
           <a:p>
             <a:fld id="{450CE236-8E69-46A3-A89B-50E3FB1BE869}" type="datetimeFigureOut">
               <a:rPr kumimoji="1" lang="ja-JP" altLang="en-US" smtClean="0"/>
-              <a:t>2023/2/24</a:t>
+              <a:t>2023/6/10</a:t>
             </a:fld>
             <a:endParaRPr kumimoji="1" lang="ja-JP" altLang="en-US"/>
           </a:p>
@@ -2056,7 +2056,7 @@
           <a:p>
             <a:fld id="{450CE236-8E69-46A3-A89B-50E3FB1BE869}" type="datetimeFigureOut">
               <a:rPr kumimoji="1" lang="ja-JP" altLang="en-US" smtClean="0"/>
-              <a:t>2023/2/24</a:t>
+              <a:t>2023/6/10</a:t>
             </a:fld>
             <a:endParaRPr kumimoji="1" lang="ja-JP" altLang="en-US"/>
           </a:p>
@@ -2532,7 +2532,7 @@
           <a:p>
             <a:fld id="{450CE236-8E69-46A3-A89B-50E3FB1BE869}" type="datetimeFigureOut">
               <a:rPr kumimoji="1" lang="ja-JP" altLang="en-US" smtClean="0"/>
-              <a:t>2023/2/24</a:t>
+              <a:t>2023/6/10</a:t>
             </a:fld>
             <a:endParaRPr kumimoji="1" lang="ja-JP" altLang="en-US"/>
           </a:p>
@@ -2673,7 +2673,7 @@
           <a:p>
             <a:fld id="{450CE236-8E69-46A3-A89B-50E3FB1BE869}" type="datetimeFigureOut">
               <a:rPr kumimoji="1" lang="ja-JP" altLang="en-US" smtClean="0"/>
-              <a:t>2023/2/24</a:t>
+              <a:t>2023/6/10</a:t>
             </a:fld>
             <a:endParaRPr kumimoji="1" lang="ja-JP" altLang="en-US"/>
           </a:p>
@@ -2786,7 +2786,7 @@
           <a:p>
             <a:fld id="{450CE236-8E69-46A3-A89B-50E3FB1BE869}" type="datetimeFigureOut">
               <a:rPr kumimoji="1" lang="ja-JP" altLang="en-US" smtClean="0"/>
-              <a:t>2023/2/24</a:t>
+              <a:t>2023/6/10</a:t>
             </a:fld>
             <a:endParaRPr kumimoji="1" lang="ja-JP" altLang="en-US"/>
           </a:p>
@@ -3129,7 +3129,7 @@
           <a:p>
             <a:fld id="{450CE236-8E69-46A3-A89B-50E3FB1BE869}" type="datetimeFigureOut">
               <a:rPr kumimoji="1" lang="ja-JP" altLang="en-US" smtClean="0"/>
-              <a:t>2023/2/24</a:t>
+              <a:t>2023/6/10</a:t>
             </a:fld>
             <a:endParaRPr kumimoji="1" lang="ja-JP" altLang="en-US"/>
           </a:p>
@@ -3417,7 +3417,7 @@
           <a:p>
             <a:fld id="{450CE236-8E69-46A3-A89B-50E3FB1BE869}" type="datetimeFigureOut">
               <a:rPr kumimoji="1" lang="ja-JP" altLang="en-US" smtClean="0"/>
-              <a:t>2023/2/24</a:t>
+              <a:t>2023/6/10</a:t>
             </a:fld>
             <a:endParaRPr kumimoji="1" lang="ja-JP" altLang="en-US"/>
           </a:p>
@@ -3690,7 +3690,7 @@
           <a:p>
             <a:fld id="{450CE236-8E69-46A3-A89B-50E3FB1BE869}" type="datetimeFigureOut">
               <a:rPr kumimoji="1" lang="ja-JP" altLang="en-US" smtClean="0"/>
-              <a:t>2023/2/24</a:t>
+              <a:t>2023/6/10</a:t>
             </a:fld>
             <a:endParaRPr kumimoji="1" lang="ja-JP" altLang="en-US"/>
           </a:p>
@@ -4121,8 +4121,8 @@
         </p:nvSpPr>
         <p:spPr>
           <a:xfrm>
-            <a:off x="5014892" y="1470889"/>
-            <a:ext cx="2177304" cy="3871949"/>
+            <a:off x="4407357" y="260652"/>
+            <a:ext cx="2882231" cy="3871949"/>
           </a:xfrm>
           <a:prstGeom prst="rect">
             <a:avLst/>
@@ -4182,8 +4182,8 @@
         </p:nvSpPr>
         <p:spPr>
           <a:xfrm>
-            <a:off x="1504950" y="1470890"/>
-            <a:ext cx="2177304" cy="3871949"/>
+            <a:off x="285748" y="260653"/>
+            <a:ext cx="2738947" cy="3871949"/>
           </a:xfrm>
           <a:prstGeom prst="rect">
             <a:avLst/>
@@ -4243,7 +4243,7 @@
         </p:nvSpPr>
         <p:spPr>
           <a:xfrm>
-            <a:off x="1694492" y="3414241"/>
+            <a:off x="475291" y="2204004"/>
             <a:ext cx="1800000" cy="1776197"/>
           </a:xfrm>
           <a:prstGeom prst="rect">
@@ -4317,7 +4317,7 @@
         </p:nvSpPr>
         <p:spPr>
           <a:xfrm>
-            <a:off x="5186084" y="3423581"/>
+            <a:off x="5307599" y="2213344"/>
             <a:ext cx="1800000" cy="1766858"/>
           </a:xfrm>
           <a:prstGeom prst="rect">
@@ -4391,7 +4391,7 @@
         </p:nvSpPr>
         <p:spPr>
           <a:xfrm>
-            <a:off x="1838492" y="3777724"/>
+            <a:off x="619291" y="2567487"/>
             <a:ext cx="1512000" cy="360000"/>
           </a:xfrm>
           <a:prstGeom prst="rect">
@@ -4476,7 +4476,7 @@
         </p:nvSpPr>
         <p:spPr>
           <a:xfrm>
-            <a:off x="5330084" y="3777724"/>
+            <a:off x="5451599" y="2567487"/>
             <a:ext cx="1512000" cy="360000"/>
           </a:xfrm>
           <a:prstGeom prst="rect">
@@ -4561,7 +4561,7 @@
         </p:nvSpPr>
         <p:spPr>
           <a:xfrm>
-            <a:off x="1838492" y="4256770"/>
+            <a:off x="619291" y="3046533"/>
             <a:ext cx="1512000" cy="360000"/>
           </a:xfrm>
           <a:prstGeom prst="rect">
@@ -4646,7 +4646,7 @@
         </p:nvSpPr>
         <p:spPr>
           <a:xfrm>
-            <a:off x="5330084" y="4256770"/>
+            <a:off x="5451599" y="3046533"/>
             <a:ext cx="1512000" cy="360000"/>
           </a:xfrm>
           <a:prstGeom prst="rect">
@@ -4731,7 +4731,7 @@
         </p:nvSpPr>
         <p:spPr>
           <a:xfrm>
-            <a:off x="1838492" y="4709489"/>
+            <a:off x="619291" y="3499252"/>
             <a:ext cx="1512000" cy="360000"/>
           </a:xfrm>
           <a:prstGeom prst="rect">
@@ -4816,7 +4816,7 @@
         </p:nvSpPr>
         <p:spPr>
           <a:xfrm>
-            <a:off x="5330084" y="4709489"/>
+            <a:off x="5451599" y="3499252"/>
             <a:ext cx="1512000" cy="360000"/>
           </a:xfrm>
           <a:prstGeom prst="rect">
@@ -4899,22 +4899,23 @@
           <p:cNvCxnSpPr>
             <a:cxnSpLocks/>
             <a:stCxn id="11" idx="1"/>
-            <a:endCxn id="10" idx="3"/>
+            <a:endCxn id="5" idx="3"/>
           </p:cNvCxnSpPr>
           <p:nvPr/>
         </p:nvCxnSpPr>
         <p:spPr>
           <a:xfrm flipH="1">
-            <a:off x="3350492" y="4889489"/>
-            <a:ext cx="1979592" cy="0"/>
+            <a:off x="3063506" y="3679252"/>
+            <a:ext cx="2388093" cy="1118"/>
           </a:xfrm>
           <a:prstGeom prst="straightConnector1">
             <a:avLst/>
           </a:prstGeom>
           <a:ln>
             <a:solidFill>
-              <a:schemeClr val="tx1"/>
+              <a:schemeClr val="accent1"/>
             </a:solidFill>
+            <a:prstDash val="solid"/>
             <a:tailEnd type="triangle"/>
           </a:ln>
         </p:spPr>
@@ -4945,22 +4946,23 @@
           <p:cNvCxnSpPr>
             <a:cxnSpLocks/>
             <a:stCxn id="8" idx="3"/>
-            <a:endCxn id="9" idx="1"/>
+            <a:endCxn id="27" idx="1"/>
           </p:cNvCxnSpPr>
           <p:nvPr/>
         </p:nvCxnSpPr>
         <p:spPr>
           <a:xfrm>
-            <a:off x="3350492" y="4436770"/>
-            <a:ext cx="1979592" cy="0"/>
+            <a:off x="2131291" y="3226533"/>
+            <a:ext cx="2240066" cy="4868"/>
           </a:xfrm>
           <a:prstGeom prst="straightConnector1">
             <a:avLst/>
           </a:prstGeom>
           <a:ln>
             <a:solidFill>
-              <a:schemeClr val="tx1"/>
+              <a:schemeClr val="accent1"/>
             </a:solidFill>
+            <a:prstDash val="solid"/>
             <a:tailEnd type="triangle"/>
           </a:ln>
         </p:spPr>
@@ -4991,21 +4993,21 @@
           <p:cNvCxnSpPr>
             <a:cxnSpLocks/>
             <a:stCxn id="4" idx="3"/>
-            <a:endCxn id="7" idx="1"/>
+            <a:endCxn id="25" idx="1"/>
           </p:cNvCxnSpPr>
           <p:nvPr/>
         </p:nvCxnSpPr>
         <p:spPr>
           <a:xfrm>
-            <a:off x="3350492" y="3957724"/>
-            <a:ext cx="1979592" cy="0"/>
+            <a:off x="2131291" y="2747487"/>
+            <a:ext cx="2235943" cy="4061"/>
           </a:xfrm>
           <a:prstGeom prst="straightConnector1">
             <a:avLst/>
           </a:prstGeom>
           <a:ln>
             <a:solidFill>
-              <a:schemeClr val="tx1"/>
+              <a:schemeClr val="accent1"/>
             </a:solidFill>
             <a:tailEnd type="triangle"/>
           </a:ln>
@@ -5039,7 +5041,7 @@
         </p:nvSpPr>
         <p:spPr>
           <a:xfrm>
-            <a:off x="1838492" y="2771994"/>
+            <a:off x="619291" y="1561757"/>
             <a:ext cx="1512000" cy="360000"/>
           </a:xfrm>
           <a:prstGeom prst="rect">
@@ -5127,7 +5129,7 @@
         </p:nvSpPr>
         <p:spPr>
           <a:xfrm>
-            <a:off x="5330084" y="2771994"/>
+            <a:off x="5451599" y="1561757"/>
             <a:ext cx="1512000" cy="360000"/>
           </a:xfrm>
           <a:prstGeom prst="rect">
@@ -5213,22 +5215,23 @@
           <p:cNvCxnSpPr>
             <a:cxnSpLocks/>
             <a:stCxn id="32" idx="3"/>
-            <a:endCxn id="42" idx="1"/>
+            <a:endCxn id="24" idx="1"/>
           </p:cNvCxnSpPr>
           <p:nvPr/>
         </p:nvCxnSpPr>
         <p:spPr>
           <a:xfrm>
-            <a:off x="3350492" y="2951994"/>
-            <a:ext cx="1979592" cy="0"/>
+            <a:off x="2131291" y="1741757"/>
+            <a:ext cx="2238004" cy="4774"/>
           </a:xfrm>
           <a:prstGeom prst="straightConnector1">
             <a:avLst/>
           </a:prstGeom>
           <a:ln>
             <a:solidFill>
-              <a:schemeClr val="tx1"/>
+              <a:schemeClr val="accent1"/>
             </a:solidFill>
+            <a:prstDash val="dash"/>
             <a:tailEnd type="triangle"/>
           </a:ln>
         </p:spPr>
@@ -5261,7 +5264,7 @@
         </p:nvSpPr>
         <p:spPr>
           <a:xfrm>
-            <a:off x="1838492" y="2314791"/>
+            <a:off x="619291" y="1104554"/>
             <a:ext cx="1512000" cy="360000"/>
           </a:xfrm>
           <a:prstGeom prst="rect">
@@ -5349,7 +5352,7 @@
         </p:nvSpPr>
         <p:spPr>
           <a:xfrm>
-            <a:off x="5330084" y="2314791"/>
+            <a:off x="5451599" y="1104554"/>
             <a:ext cx="1512000" cy="360000"/>
           </a:xfrm>
           <a:prstGeom prst="rect">
@@ -5435,22 +5438,23 @@
           <p:cNvCxnSpPr>
             <a:cxnSpLocks/>
             <a:stCxn id="44" idx="3"/>
-            <a:endCxn id="45" idx="1"/>
+            <a:endCxn id="23" idx="1"/>
           </p:cNvCxnSpPr>
           <p:nvPr/>
         </p:nvCxnSpPr>
         <p:spPr>
           <a:xfrm>
-            <a:off x="3350492" y="2494791"/>
-            <a:ext cx="1979592" cy="0"/>
+            <a:off x="2131291" y="1284554"/>
+            <a:ext cx="2240060" cy="661"/>
           </a:xfrm>
           <a:prstGeom prst="straightConnector1">
             <a:avLst/>
           </a:prstGeom>
           <a:ln>
             <a:solidFill>
-              <a:schemeClr val="tx1"/>
+              <a:schemeClr val="accent1"/>
             </a:solidFill>
+            <a:prstDash val="dash"/>
             <a:tailEnd type="triangle"/>
           </a:ln>
         </p:spPr>
@@ -5483,8 +5487,8 @@
         </p:nvSpPr>
         <p:spPr>
           <a:xfrm>
-            <a:off x="3576912" y="4695215"/>
-            <a:ext cx="1502717" cy="230832"/>
+            <a:off x="3034121" y="3484978"/>
+            <a:ext cx="1368000" cy="230832"/>
           </a:xfrm>
           <a:prstGeom prst="rect">
             <a:avLst/>
@@ -5523,8 +5527,8 @@
         </p:nvSpPr>
         <p:spPr>
           <a:xfrm>
-            <a:off x="3576912" y="4257060"/>
-            <a:ext cx="1502717" cy="230832"/>
+            <a:off x="3034121" y="3046823"/>
+            <a:ext cx="1368000" cy="230832"/>
           </a:xfrm>
           <a:prstGeom prst="rect">
             <a:avLst/>
@@ -5563,8 +5567,8 @@
         </p:nvSpPr>
         <p:spPr>
           <a:xfrm>
-            <a:off x="3576912" y="3774742"/>
-            <a:ext cx="1502717" cy="230832"/>
+            <a:off x="3034121" y="2564505"/>
+            <a:ext cx="1368000" cy="230832"/>
           </a:xfrm>
           <a:prstGeom prst="rect">
             <a:avLst/>
@@ -5602,8 +5606,8 @@
         </p:nvSpPr>
         <p:spPr>
           <a:xfrm>
-            <a:off x="3576912" y="2795246"/>
-            <a:ext cx="1502717" cy="369332"/>
+            <a:off x="4396581" y="1578831"/>
+            <a:ext cx="900000" cy="369332"/>
           </a:xfrm>
           <a:prstGeom prst="rect">
             <a:avLst/>
@@ -5619,22 +5623,19 @@
           </a:bodyPr>
           <a:lstStyle/>
           <a:p>
-            <a:pPr algn="ctr"/>
+            <a:r>
+              <a:rPr lang="en-US" altLang="ja-JP" sz="900"/>
+              <a:t>UDP</a:t>
+            </a:r>
+          </a:p>
+          <a:p>
+            <a:r>
+              <a:rPr lang="en-US" altLang="ja-JP" sz="900"/>
+              <a:t>111</a:t>
+            </a:r>
             <a:r>
               <a:rPr lang="ja-JP" altLang="en-US" sz="900" dirty="0"/>
-              <a:t>ポートマップ</a:t>
-            </a:r>
-            <a:endParaRPr lang="en-US" altLang="ja-JP" sz="900" dirty="0"/>
-          </a:p>
-          <a:p>
-            <a:pPr algn="ctr"/>
-            <a:r>
-              <a:rPr kumimoji="1" lang="en-US" altLang="ja-JP" sz="900" dirty="0"/>
-              <a:t>(</a:t>
-            </a:r>
-            <a:r>
-              <a:rPr lang="en-US" altLang="ja-JP" sz="900" dirty="0"/>
-              <a:t>UDP 111)</a:t>
+              <a:t>番ポート</a:t>
             </a:r>
             <a:endParaRPr kumimoji="1" lang="ja-JP" altLang="en-US" sz="900" dirty="0"/>
           </a:p>
@@ -5654,8 +5655,8 @@
         </p:nvSpPr>
         <p:spPr>
           <a:xfrm>
-            <a:off x="3576912" y="2338050"/>
-            <a:ext cx="1502717" cy="369332"/>
+            <a:off x="4396581" y="1109279"/>
+            <a:ext cx="900000" cy="369332"/>
           </a:xfrm>
           <a:prstGeom prst="rect">
             <a:avLst/>
@@ -5671,18 +5672,19 @@
           </a:bodyPr>
           <a:lstStyle/>
           <a:p>
-            <a:pPr algn="ctr"/>
-            <a:r>
-              <a:rPr kumimoji="1" lang="ja-JP" altLang="en-US" sz="900" dirty="0"/>
-              <a:t>ポートマップ</a:t>
-            </a:r>
-            <a:endParaRPr kumimoji="1" lang="en-US" altLang="ja-JP" sz="900" dirty="0"/>
-          </a:p>
-          <a:p>
-            <a:pPr algn="ctr"/>
-            <a:r>
-              <a:rPr kumimoji="1" lang="en-US" altLang="ja-JP" sz="900" dirty="0"/>
-              <a:t>(TCP 111)</a:t>
+            <a:r>
+              <a:rPr kumimoji="1" lang="en-US" altLang="ja-JP" sz="900"/>
+              <a:t>TCP </a:t>
+            </a:r>
+          </a:p>
+          <a:p>
+            <a:r>
+              <a:rPr kumimoji="1" lang="en-US" altLang="ja-JP" sz="900"/>
+              <a:t>111</a:t>
+            </a:r>
+            <a:r>
+              <a:rPr kumimoji="1" lang="ja-JP" altLang="en-US" sz="900"/>
+              <a:t>番ポート</a:t>
             </a:r>
             <a:endParaRPr kumimoji="1" lang="ja-JP" altLang="en-US" sz="900" dirty="0"/>
           </a:p>
@@ -5762,7 +5764,7 @@
         </p:nvSpPr>
         <p:spPr>
           <a:xfrm>
-            <a:off x="1674788" y="1953407"/>
+            <a:off x="455587" y="743170"/>
             <a:ext cx="1816400" cy="1284341"/>
           </a:xfrm>
           <a:prstGeom prst="rect">
@@ -5826,7 +5828,7 @@
         </p:nvSpPr>
         <p:spPr>
           <a:xfrm>
-            <a:off x="5186084" y="2012051"/>
+            <a:off x="5307599" y="801814"/>
             <a:ext cx="1816400" cy="1284341"/>
           </a:xfrm>
           <a:prstGeom prst="rect">
@@ -5876,6 +5878,1004 @@
           </a:p>
         </p:txBody>
       </p:sp>
+      <p:sp>
+        <p:nvSpPr>
+          <p:cNvPr id="12" name="正方形/長方形 11">
+            <a:extLst>
+              <a:ext uri="{FF2B5EF4-FFF2-40B4-BE49-F238E27FC236}">
+                <a16:creationId xmlns:a16="http://schemas.microsoft.com/office/drawing/2014/main" id="{378B8E7D-3543-6FDC-68CD-A438E5434050}"/>
+              </a:ext>
+            </a:extLst>
+          </p:cNvPr>
+          <p:cNvSpPr/>
+          <p:nvPr/>
+        </p:nvSpPr>
+        <p:spPr>
+          <a:xfrm>
+            <a:off x="2989448" y="3197470"/>
+            <a:ext cx="72000" cy="72000"/>
+          </a:xfrm>
+          <a:prstGeom prst="rect">
+            <a:avLst/>
+          </a:prstGeom>
+          <a:solidFill>
+            <a:schemeClr val="bg1"/>
+          </a:solidFill>
+          <a:ln>
+            <a:solidFill>
+              <a:schemeClr val="tx1"/>
+            </a:solidFill>
+          </a:ln>
+        </p:spPr>
+        <p:style>
+          <a:lnRef idx="2">
+            <a:schemeClr val="accent1">
+              <a:shade val="50000"/>
+            </a:schemeClr>
+          </a:lnRef>
+          <a:fillRef idx="1">
+            <a:schemeClr val="accent1"/>
+          </a:fillRef>
+          <a:effectRef idx="0">
+            <a:schemeClr val="accent1"/>
+          </a:effectRef>
+          <a:fontRef idx="minor">
+            <a:schemeClr val="lt1"/>
+          </a:fontRef>
+        </p:style>
+        <p:txBody>
+          <a:bodyPr rtlCol="0" anchor="ctr"/>
+          <a:lstStyle/>
+          <a:p>
+            <a:pPr algn="ctr"/>
+            <a:endParaRPr kumimoji="1" lang="ja-JP" altLang="en-US"/>
+          </a:p>
+        </p:txBody>
+      </p:sp>
+      <p:sp>
+        <p:nvSpPr>
+          <p:cNvPr id="18" name="正方形/長方形 17">
+            <a:extLst>
+              <a:ext uri="{FF2B5EF4-FFF2-40B4-BE49-F238E27FC236}">
+                <a16:creationId xmlns:a16="http://schemas.microsoft.com/office/drawing/2014/main" id="{4406BB70-2AE0-422D-902A-7EB5C58BA62B}"/>
+              </a:ext>
+            </a:extLst>
+          </p:cNvPr>
+          <p:cNvSpPr/>
+          <p:nvPr/>
+        </p:nvSpPr>
+        <p:spPr>
+          <a:xfrm>
+            <a:off x="2987389" y="2713496"/>
+            <a:ext cx="72000" cy="72000"/>
+          </a:xfrm>
+          <a:prstGeom prst="rect">
+            <a:avLst/>
+          </a:prstGeom>
+          <a:solidFill>
+            <a:schemeClr val="bg1"/>
+          </a:solidFill>
+          <a:ln>
+            <a:solidFill>
+              <a:schemeClr val="tx1"/>
+            </a:solidFill>
+          </a:ln>
+        </p:spPr>
+        <p:style>
+          <a:lnRef idx="2">
+            <a:schemeClr val="accent1">
+              <a:shade val="50000"/>
+            </a:schemeClr>
+          </a:lnRef>
+          <a:fillRef idx="1">
+            <a:schemeClr val="accent1"/>
+          </a:fillRef>
+          <a:effectRef idx="0">
+            <a:schemeClr val="accent1"/>
+          </a:effectRef>
+          <a:fontRef idx="minor">
+            <a:schemeClr val="lt1"/>
+          </a:fontRef>
+        </p:style>
+        <p:txBody>
+          <a:bodyPr rtlCol="0" anchor="ctr"/>
+          <a:lstStyle/>
+          <a:p>
+            <a:pPr algn="ctr"/>
+            <a:endParaRPr kumimoji="1" lang="ja-JP" altLang="en-US"/>
+          </a:p>
+        </p:txBody>
+      </p:sp>
+      <p:sp>
+        <p:nvSpPr>
+          <p:cNvPr id="21" name="正方形/長方形 20">
+            <a:extLst>
+              <a:ext uri="{FF2B5EF4-FFF2-40B4-BE49-F238E27FC236}">
+                <a16:creationId xmlns:a16="http://schemas.microsoft.com/office/drawing/2014/main" id="{6D182D7D-C920-7B81-5D04-8CD34B4BEE77}"/>
+              </a:ext>
+            </a:extLst>
+          </p:cNvPr>
+          <p:cNvSpPr/>
+          <p:nvPr/>
+        </p:nvSpPr>
+        <p:spPr>
+          <a:xfrm>
+            <a:off x="2991510" y="1698179"/>
+            <a:ext cx="72000" cy="72000"/>
+          </a:xfrm>
+          <a:prstGeom prst="rect">
+            <a:avLst/>
+          </a:prstGeom>
+          <a:solidFill>
+            <a:schemeClr val="bg1"/>
+          </a:solidFill>
+          <a:ln>
+            <a:solidFill>
+              <a:schemeClr val="tx1"/>
+            </a:solidFill>
+          </a:ln>
+        </p:spPr>
+        <p:style>
+          <a:lnRef idx="2">
+            <a:schemeClr val="accent1">
+              <a:shade val="50000"/>
+            </a:schemeClr>
+          </a:lnRef>
+          <a:fillRef idx="1">
+            <a:schemeClr val="accent1"/>
+          </a:fillRef>
+          <a:effectRef idx="0">
+            <a:schemeClr val="accent1"/>
+          </a:effectRef>
+          <a:fontRef idx="minor">
+            <a:schemeClr val="lt1"/>
+          </a:fontRef>
+        </p:style>
+        <p:txBody>
+          <a:bodyPr rtlCol="0" anchor="ctr"/>
+          <a:lstStyle/>
+          <a:p>
+            <a:pPr algn="ctr"/>
+            <a:endParaRPr kumimoji="1" lang="ja-JP" altLang="en-US"/>
+          </a:p>
+        </p:txBody>
+      </p:sp>
+      <p:sp>
+        <p:nvSpPr>
+          <p:cNvPr id="22" name="正方形/長方形 21">
+            <a:extLst>
+              <a:ext uri="{FF2B5EF4-FFF2-40B4-BE49-F238E27FC236}">
+                <a16:creationId xmlns:a16="http://schemas.microsoft.com/office/drawing/2014/main" id="{E38AB7DE-9332-5336-FA7A-5AD89A69B291}"/>
+              </a:ext>
+            </a:extLst>
+          </p:cNvPr>
+          <p:cNvSpPr/>
+          <p:nvPr/>
+        </p:nvSpPr>
+        <p:spPr>
+          <a:xfrm>
+            <a:off x="2995632" y="1251277"/>
+            <a:ext cx="72000" cy="72000"/>
+          </a:xfrm>
+          <a:prstGeom prst="rect">
+            <a:avLst/>
+          </a:prstGeom>
+          <a:solidFill>
+            <a:schemeClr val="bg1"/>
+          </a:solidFill>
+          <a:ln>
+            <a:solidFill>
+              <a:schemeClr val="tx1"/>
+            </a:solidFill>
+          </a:ln>
+        </p:spPr>
+        <p:style>
+          <a:lnRef idx="2">
+            <a:schemeClr val="accent1">
+              <a:shade val="50000"/>
+            </a:schemeClr>
+          </a:lnRef>
+          <a:fillRef idx="1">
+            <a:schemeClr val="accent1"/>
+          </a:fillRef>
+          <a:effectRef idx="0">
+            <a:schemeClr val="accent1"/>
+          </a:effectRef>
+          <a:fontRef idx="minor">
+            <a:schemeClr val="lt1"/>
+          </a:fontRef>
+        </p:style>
+        <p:txBody>
+          <a:bodyPr rtlCol="0" anchor="ctr"/>
+          <a:lstStyle/>
+          <a:p>
+            <a:pPr algn="ctr"/>
+            <a:endParaRPr kumimoji="1" lang="ja-JP" altLang="en-US"/>
+          </a:p>
+        </p:txBody>
+      </p:sp>
+      <p:sp>
+        <p:nvSpPr>
+          <p:cNvPr id="23" name="正方形/長方形 22">
+            <a:extLst>
+              <a:ext uri="{FF2B5EF4-FFF2-40B4-BE49-F238E27FC236}">
+                <a16:creationId xmlns:a16="http://schemas.microsoft.com/office/drawing/2014/main" id="{88F454E6-0160-9547-0F6A-FCDEC3ED1D86}"/>
+              </a:ext>
+            </a:extLst>
+          </p:cNvPr>
+          <p:cNvSpPr/>
+          <p:nvPr/>
+        </p:nvSpPr>
+        <p:spPr>
+          <a:xfrm>
+            <a:off x="4371351" y="1249215"/>
+            <a:ext cx="72000" cy="72000"/>
+          </a:xfrm>
+          <a:prstGeom prst="rect">
+            <a:avLst/>
+          </a:prstGeom>
+          <a:solidFill>
+            <a:schemeClr val="bg1"/>
+          </a:solidFill>
+          <a:ln>
+            <a:solidFill>
+              <a:schemeClr val="tx1"/>
+            </a:solidFill>
+          </a:ln>
+        </p:spPr>
+        <p:style>
+          <a:lnRef idx="2">
+            <a:schemeClr val="accent1">
+              <a:shade val="50000"/>
+            </a:schemeClr>
+          </a:lnRef>
+          <a:fillRef idx="1">
+            <a:schemeClr val="accent1"/>
+          </a:fillRef>
+          <a:effectRef idx="0">
+            <a:schemeClr val="accent1"/>
+          </a:effectRef>
+          <a:fontRef idx="minor">
+            <a:schemeClr val="lt1"/>
+          </a:fontRef>
+        </p:style>
+        <p:txBody>
+          <a:bodyPr rtlCol="0" anchor="ctr"/>
+          <a:lstStyle/>
+          <a:p>
+            <a:pPr algn="ctr"/>
+            <a:endParaRPr kumimoji="1" lang="ja-JP" altLang="en-US"/>
+          </a:p>
+        </p:txBody>
+      </p:sp>
+      <p:sp>
+        <p:nvSpPr>
+          <p:cNvPr id="24" name="正方形/長方形 23">
+            <a:extLst>
+              <a:ext uri="{FF2B5EF4-FFF2-40B4-BE49-F238E27FC236}">
+                <a16:creationId xmlns:a16="http://schemas.microsoft.com/office/drawing/2014/main" id="{4564AEA5-5233-46E6-0FF0-9C5B9A19C884}"/>
+              </a:ext>
+            </a:extLst>
+          </p:cNvPr>
+          <p:cNvSpPr/>
+          <p:nvPr/>
+        </p:nvSpPr>
+        <p:spPr>
+          <a:xfrm>
+            <a:off x="4369295" y="1710531"/>
+            <a:ext cx="72000" cy="72000"/>
+          </a:xfrm>
+          <a:prstGeom prst="rect">
+            <a:avLst/>
+          </a:prstGeom>
+          <a:solidFill>
+            <a:schemeClr val="bg1"/>
+          </a:solidFill>
+          <a:ln>
+            <a:solidFill>
+              <a:schemeClr val="tx1"/>
+            </a:solidFill>
+          </a:ln>
+        </p:spPr>
+        <p:style>
+          <a:lnRef idx="2">
+            <a:schemeClr val="accent1">
+              <a:shade val="50000"/>
+            </a:schemeClr>
+          </a:lnRef>
+          <a:fillRef idx="1">
+            <a:schemeClr val="accent1"/>
+          </a:fillRef>
+          <a:effectRef idx="0">
+            <a:schemeClr val="accent1"/>
+          </a:effectRef>
+          <a:fontRef idx="minor">
+            <a:schemeClr val="lt1"/>
+          </a:fontRef>
+        </p:style>
+        <p:txBody>
+          <a:bodyPr rtlCol="0" anchor="ctr"/>
+          <a:lstStyle/>
+          <a:p>
+            <a:pPr algn="ctr"/>
+            <a:endParaRPr kumimoji="1" lang="ja-JP" altLang="en-US"/>
+          </a:p>
+        </p:txBody>
+      </p:sp>
+      <p:sp>
+        <p:nvSpPr>
+          <p:cNvPr id="25" name="正方形/長方形 24">
+            <a:extLst>
+              <a:ext uri="{FF2B5EF4-FFF2-40B4-BE49-F238E27FC236}">
+                <a16:creationId xmlns:a16="http://schemas.microsoft.com/office/drawing/2014/main" id="{692FEDB2-5782-982A-AC64-51D1367E5F81}"/>
+              </a:ext>
+            </a:extLst>
+          </p:cNvPr>
+          <p:cNvSpPr/>
+          <p:nvPr/>
+        </p:nvSpPr>
+        <p:spPr>
+          <a:xfrm>
+            <a:off x="4367234" y="2715548"/>
+            <a:ext cx="72000" cy="72000"/>
+          </a:xfrm>
+          <a:prstGeom prst="rect">
+            <a:avLst/>
+          </a:prstGeom>
+          <a:solidFill>
+            <a:schemeClr val="bg1"/>
+          </a:solidFill>
+          <a:ln>
+            <a:solidFill>
+              <a:schemeClr val="tx1"/>
+            </a:solidFill>
+          </a:ln>
+        </p:spPr>
+        <p:style>
+          <a:lnRef idx="2">
+            <a:schemeClr val="accent1">
+              <a:shade val="50000"/>
+            </a:schemeClr>
+          </a:lnRef>
+          <a:fillRef idx="1">
+            <a:schemeClr val="accent1"/>
+          </a:fillRef>
+          <a:effectRef idx="0">
+            <a:schemeClr val="accent1"/>
+          </a:effectRef>
+          <a:fontRef idx="minor">
+            <a:schemeClr val="lt1"/>
+          </a:fontRef>
+        </p:style>
+        <p:txBody>
+          <a:bodyPr rtlCol="0" anchor="ctr"/>
+          <a:lstStyle/>
+          <a:p>
+            <a:pPr algn="ctr"/>
+            <a:endParaRPr kumimoji="1" lang="ja-JP" altLang="en-US"/>
+          </a:p>
+        </p:txBody>
+      </p:sp>
+      <p:sp>
+        <p:nvSpPr>
+          <p:cNvPr id="27" name="正方形/長方形 26">
+            <a:extLst>
+              <a:ext uri="{FF2B5EF4-FFF2-40B4-BE49-F238E27FC236}">
+                <a16:creationId xmlns:a16="http://schemas.microsoft.com/office/drawing/2014/main" id="{74988917-BD63-953E-99FC-6DCEC8745CCA}"/>
+              </a:ext>
+            </a:extLst>
+          </p:cNvPr>
+          <p:cNvSpPr/>
+          <p:nvPr/>
+        </p:nvSpPr>
+        <p:spPr>
+          <a:xfrm>
+            <a:off x="4371357" y="3195401"/>
+            <a:ext cx="72000" cy="72000"/>
+          </a:xfrm>
+          <a:prstGeom prst="rect">
+            <a:avLst/>
+          </a:prstGeom>
+          <a:solidFill>
+            <a:schemeClr val="bg1"/>
+          </a:solidFill>
+          <a:ln>
+            <a:solidFill>
+              <a:schemeClr val="tx1"/>
+            </a:solidFill>
+          </a:ln>
+        </p:spPr>
+        <p:style>
+          <a:lnRef idx="2">
+            <a:schemeClr val="accent1">
+              <a:shade val="50000"/>
+            </a:schemeClr>
+          </a:lnRef>
+          <a:fillRef idx="1">
+            <a:schemeClr val="accent1"/>
+          </a:fillRef>
+          <a:effectRef idx="0">
+            <a:schemeClr val="accent1"/>
+          </a:effectRef>
+          <a:fontRef idx="minor">
+            <a:schemeClr val="lt1"/>
+          </a:fontRef>
+        </p:style>
+        <p:txBody>
+          <a:bodyPr rtlCol="0" anchor="ctr"/>
+          <a:lstStyle/>
+          <a:p>
+            <a:pPr algn="ctr"/>
+            <a:endParaRPr kumimoji="1" lang="ja-JP" altLang="en-US"/>
+          </a:p>
+        </p:txBody>
+      </p:sp>
+      <p:sp>
+        <p:nvSpPr>
+          <p:cNvPr id="28" name="正方形/長方形 27">
+            <a:extLst>
+              <a:ext uri="{FF2B5EF4-FFF2-40B4-BE49-F238E27FC236}">
+                <a16:creationId xmlns:a16="http://schemas.microsoft.com/office/drawing/2014/main" id="{65026F4D-5274-9BDD-4CA4-DE989506D28B}"/>
+              </a:ext>
+            </a:extLst>
+          </p:cNvPr>
+          <p:cNvSpPr/>
+          <p:nvPr/>
+        </p:nvSpPr>
+        <p:spPr>
+          <a:xfrm>
+            <a:off x="4369299" y="3650543"/>
+            <a:ext cx="72000" cy="72000"/>
+          </a:xfrm>
+          <a:prstGeom prst="rect">
+            <a:avLst/>
+          </a:prstGeom>
+          <a:solidFill>
+            <a:schemeClr val="bg1"/>
+          </a:solidFill>
+          <a:ln>
+            <a:solidFill>
+              <a:schemeClr val="tx1"/>
+            </a:solidFill>
+          </a:ln>
+        </p:spPr>
+        <p:style>
+          <a:lnRef idx="2">
+            <a:schemeClr val="accent1">
+              <a:shade val="50000"/>
+            </a:schemeClr>
+          </a:lnRef>
+          <a:fillRef idx="1">
+            <a:schemeClr val="accent1"/>
+          </a:fillRef>
+          <a:effectRef idx="0">
+            <a:schemeClr val="accent1"/>
+          </a:effectRef>
+          <a:fontRef idx="minor">
+            <a:schemeClr val="lt1"/>
+          </a:fontRef>
+        </p:style>
+        <p:txBody>
+          <a:bodyPr rtlCol="0" anchor="ctr"/>
+          <a:lstStyle/>
+          <a:p>
+            <a:pPr algn="ctr"/>
+            <a:endParaRPr kumimoji="1" lang="ja-JP" altLang="en-US"/>
+          </a:p>
+        </p:txBody>
+      </p:sp>
+      <p:cxnSp>
+        <p:nvCxnSpPr>
+          <p:cNvPr id="35" name="直線矢印コネクタ 34">
+            <a:extLst>
+              <a:ext uri="{FF2B5EF4-FFF2-40B4-BE49-F238E27FC236}">
+                <a16:creationId xmlns:a16="http://schemas.microsoft.com/office/drawing/2014/main" id="{8D1DDD9B-8225-4F64-9767-D62892801C48}"/>
+              </a:ext>
+            </a:extLst>
+          </p:cNvPr>
+          <p:cNvCxnSpPr>
+            <a:cxnSpLocks/>
+            <a:stCxn id="23" idx="3"/>
+            <a:endCxn id="45" idx="1"/>
+          </p:cNvCxnSpPr>
+          <p:nvPr/>
+        </p:nvCxnSpPr>
+        <p:spPr>
+          <a:xfrm flipV="1">
+            <a:off x="4443351" y="1284554"/>
+            <a:ext cx="1008248" cy="661"/>
+          </a:xfrm>
+          <a:prstGeom prst="straightConnector1">
+            <a:avLst/>
+          </a:prstGeom>
+          <a:ln>
+            <a:solidFill>
+              <a:schemeClr val="accent1"/>
+            </a:solidFill>
+            <a:prstDash val="dash"/>
+            <a:tailEnd type="triangle"/>
+          </a:ln>
+        </p:spPr>
+        <p:style>
+          <a:lnRef idx="1">
+            <a:schemeClr val="accent1"/>
+          </a:lnRef>
+          <a:fillRef idx="0">
+            <a:schemeClr val="accent1"/>
+          </a:fillRef>
+          <a:effectRef idx="0">
+            <a:schemeClr val="accent1"/>
+          </a:effectRef>
+          <a:fontRef idx="minor">
+            <a:schemeClr val="tx1"/>
+          </a:fontRef>
+        </p:style>
+      </p:cxnSp>
+      <p:cxnSp>
+        <p:nvCxnSpPr>
+          <p:cNvPr id="38" name="直線矢印コネクタ 37">
+            <a:extLst>
+              <a:ext uri="{FF2B5EF4-FFF2-40B4-BE49-F238E27FC236}">
+                <a16:creationId xmlns:a16="http://schemas.microsoft.com/office/drawing/2014/main" id="{617E59DF-EB2C-6116-1158-4F00D0118150}"/>
+              </a:ext>
+            </a:extLst>
+          </p:cNvPr>
+          <p:cNvCxnSpPr>
+            <a:cxnSpLocks/>
+            <a:stCxn id="24" idx="3"/>
+            <a:endCxn id="42" idx="1"/>
+          </p:cNvCxnSpPr>
+          <p:nvPr/>
+        </p:nvCxnSpPr>
+        <p:spPr>
+          <a:xfrm flipV="1">
+            <a:off x="4441295" y="1741757"/>
+            <a:ext cx="1010304" cy="4774"/>
+          </a:xfrm>
+          <a:prstGeom prst="straightConnector1">
+            <a:avLst/>
+          </a:prstGeom>
+          <a:ln>
+            <a:solidFill>
+              <a:schemeClr val="accent1"/>
+            </a:solidFill>
+            <a:prstDash val="dash"/>
+            <a:tailEnd type="triangle"/>
+          </a:ln>
+        </p:spPr>
+        <p:style>
+          <a:lnRef idx="1">
+            <a:schemeClr val="accent1"/>
+          </a:lnRef>
+          <a:fillRef idx="0">
+            <a:schemeClr val="accent1"/>
+          </a:fillRef>
+          <a:effectRef idx="0">
+            <a:schemeClr val="accent1"/>
+          </a:effectRef>
+          <a:fontRef idx="minor">
+            <a:schemeClr val="tx1"/>
+          </a:fontRef>
+        </p:style>
+      </p:cxnSp>
+      <p:cxnSp>
+        <p:nvCxnSpPr>
+          <p:cNvPr id="41" name="直線矢印コネクタ 40">
+            <a:extLst>
+              <a:ext uri="{FF2B5EF4-FFF2-40B4-BE49-F238E27FC236}">
+                <a16:creationId xmlns:a16="http://schemas.microsoft.com/office/drawing/2014/main" id="{8BFAF91B-F9E4-4EA7-F310-08A39BC248F9}"/>
+              </a:ext>
+            </a:extLst>
+          </p:cNvPr>
+          <p:cNvCxnSpPr>
+            <a:cxnSpLocks/>
+            <a:stCxn id="25" idx="3"/>
+            <a:endCxn id="7" idx="1"/>
+          </p:cNvCxnSpPr>
+          <p:nvPr/>
+        </p:nvCxnSpPr>
+        <p:spPr>
+          <a:xfrm flipV="1">
+            <a:off x="4439234" y="2747487"/>
+            <a:ext cx="1012365" cy="4061"/>
+          </a:xfrm>
+          <a:prstGeom prst="straightConnector1">
+            <a:avLst/>
+          </a:prstGeom>
+          <a:ln>
+            <a:solidFill>
+              <a:schemeClr val="accent1"/>
+            </a:solidFill>
+            <a:tailEnd type="triangle"/>
+          </a:ln>
+        </p:spPr>
+        <p:style>
+          <a:lnRef idx="1">
+            <a:schemeClr val="accent1"/>
+          </a:lnRef>
+          <a:fillRef idx="0">
+            <a:schemeClr val="accent1"/>
+          </a:fillRef>
+          <a:effectRef idx="0">
+            <a:schemeClr val="accent1"/>
+          </a:effectRef>
+          <a:fontRef idx="minor">
+            <a:schemeClr val="tx1"/>
+          </a:fontRef>
+        </p:style>
+      </p:cxnSp>
+      <p:cxnSp>
+        <p:nvCxnSpPr>
+          <p:cNvPr id="54" name="直線矢印コネクタ 53">
+            <a:extLst>
+              <a:ext uri="{FF2B5EF4-FFF2-40B4-BE49-F238E27FC236}">
+                <a16:creationId xmlns:a16="http://schemas.microsoft.com/office/drawing/2014/main" id="{A6119F93-CC7E-BCA8-009B-70A7AF9FFC6A}"/>
+              </a:ext>
+            </a:extLst>
+          </p:cNvPr>
+          <p:cNvCxnSpPr>
+            <a:cxnSpLocks/>
+            <a:stCxn id="27" idx="3"/>
+            <a:endCxn id="9" idx="1"/>
+          </p:cNvCxnSpPr>
+          <p:nvPr/>
+        </p:nvCxnSpPr>
+        <p:spPr>
+          <a:xfrm flipV="1">
+            <a:off x="4443357" y="3226533"/>
+            <a:ext cx="1008242" cy="4868"/>
+          </a:xfrm>
+          <a:prstGeom prst="straightConnector1">
+            <a:avLst/>
+          </a:prstGeom>
+          <a:ln>
+            <a:solidFill>
+              <a:schemeClr val="accent1"/>
+            </a:solidFill>
+            <a:prstDash val="solid"/>
+            <a:tailEnd type="triangle"/>
+          </a:ln>
+        </p:spPr>
+        <p:style>
+          <a:lnRef idx="1">
+            <a:schemeClr val="accent1"/>
+          </a:lnRef>
+          <a:fillRef idx="0">
+            <a:schemeClr val="accent1"/>
+          </a:fillRef>
+          <a:effectRef idx="0">
+            <a:schemeClr val="accent1"/>
+          </a:effectRef>
+          <a:fontRef idx="minor">
+            <a:schemeClr val="tx1"/>
+          </a:fontRef>
+        </p:style>
+      </p:cxnSp>
+      <p:sp>
+        <p:nvSpPr>
+          <p:cNvPr id="60" name="テキスト ボックス 59">
+            <a:extLst>
+              <a:ext uri="{FF2B5EF4-FFF2-40B4-BE49-F238E27FC236}">
+                <a16:creationId xmlns:a16="http://schemas.microsoft.com/office/drawing/2014/main" id="{FCB88850-6AE8-0662-6553-8F0DDF9150C0}"/>
+              </a:ext>
+            </a:extLst>
+          </p:cNvPr>
+          <p:cNvSpPr txBox="1"/>
+          <p:nvPr/>
+        </p:nvSpPr>
+        <p:spPr>
+          <a:xfrm>
+            <a:off x="4400695" y="2583848"/>
+            <a:ext cx="900000" cy="369332"/>
+          </a:xfrm>
+          <a:prstGeom prst="rect">
+            <a:avLst/>
+          </a:prstGeom>
+          <a:noFill/>
+          <a:ln>
+            <a:noFill/>
+          </a:ln>
+        </p:spPr>
+        <p:txBody>
+          <a:bodyPr wrap="square" rtlCol="0">
+            <a:spAutoFit/>
+          </a:bodyPr>
+          <a:lstStyle/>
+          <a:p>
+            <a:r>
+              <a:rPr kumimoji="1" lang="en-US" altLang="ja-JP" sz="900"/>
+              <a:t>TCP </a:t>
+            </a:r>
+          </a:p>
+          <a:p>
+            <a:r>
+              <a:rPr kumimoji="1" lang="ja-JP" altLang="en-US" sz="900"/>
+              <a:t>任意ポート</a:t>
+            </a:r>
+            <a:endParaRPr kumimoji="1" lang="ja-JP" altLang="en-US" sz="900" dirty="0"/>
+          </a:p>
+        </p:txBody>
+      </p:sp>
+      <p:sp>
+        <p:nvSpPr>
+          <p:cNvPr id="61" name="テキスト ボックス 60">
+            <a:extLst>
+              <a:ext uri="{FF2B5EF4-FFF2-40B4-BE49-F238E27FC236}">
+                <a16:creationId xmlns:a16="http://schemas.microsoft.com/office/drawing/2014/main" id="{892D03A6-17E6-D99F-D233-BE03A323A41A}"/>
+              </a:ext>
+            </a:extLst>
+          </p:cNvPr>
+          <p:cNvSpPr txBox="1"/>
+          <p:nvPr/>
+        </p:nvSpPr>
+        <p:spPr>
+          <a:xfrm>
+            <a:off x="4410994" y="3063702"/>
+            <a:ext cx="900000" cy="369332"/>
+          </a:xfrm>
+          <a:prstGeom prst="rect">
+            <a:avLst/>
+          </a:prstGeom>
+          <a:noFill/>
+          <a:ln>
+            <a:noFill/>
+          </a:ln>
+        </p:spPr>
+        <p:txBody>
+          <a:bodyPr wrap="square" rtlCol="0">
+            <a:spAutoFit/>
+          </a:bodyPr>
+          <a:lstStyle/>
+          <a:p>
+            <a:r>
+              <a:rPr kumimoji="1" lang="en-US" altLang="ja-JP" sz="900"/>
+              <a:t>TCP </a:t>
+            </a:r>
+          </a:p>
+          <a:p>
+            <a:r>
+              <a:rPr kumimoji="1" lang="ja-JP" altLang="en-US" sz="900"/>
+              <a:t>任意ポート</a:t>
+            </a:r>
+            <a:endParaRPr kumimoji="1" lang="ja-JP" altLang="en-US" sz="900" dirty="0"/>
+          </a:p>
+        </p:txBody>
+      </p:sp>
+      <p:sp>
+        <p:nvSpPr>
+          <p:cNvPr id="63" name="テキスト ボックス 62">
+            <a:extLst>
+              <a:ext uri="{FF2B5EF4-FFF2-40B4-BE49-F238E27FC236}">
+                <a16:creationId xmlns:a16="http://schemas.microsoft.com/office/drawing/2014/main" id="{6118377A-0AEF-DBB2-221C-BC52A5788E45}"/>
+              </a:ext>
+            </a:extLst>
+          </p:cNvPr>
+          <p:cNvSpPr txBox="1"/>
+          <p:nvPr/>
+        </p:nvSpPr>
+        <p:spPr>
+          <a:xfrm>
+            <a:off x="2123319" y="3518357"/>
+            <a:ext cx="900000" cy="369332"/>
+          </a:xfrm>
+          <a:prstGeom prst="rect">
+            <a:avLst/>
+          </a:prstGeom>
+          <a:noFill/>
+          <a:ln>
+            <a:noFill/>
+          </a:ln>
+        </p:spPr>
+        <p:txBody>
+          <a:bodyPr wrap="square" rtlCol="0">
+            <a:spAutoFit/>
+          </a:bodyPr>
+          <a:lstStyle/>
+          <a:p>
+            <a:pPr algn="r"/>
+            <a:r>
+              <a:rPr kumimoji="1" lang="en-US" altLang="ja-JP" sz="900"/>
+              <a:t>TCP </a:t>
+            </a:r>
+          </a:p>
+          <a:p>
+            <a:pPr algn="r"/>
+            <a:r>
+              <a:rPr kumimoji="1" lang="ja-JP" altLang="en-US" sz="900"/>
+              <a:t>任意ポート</a:t>
+            </a:r>
+            <a:endParaRPr kumimoji="1" lang="ja-JP" altLang="en-US" sz="900" dirty="0"/>
+          </a:p>
+        </p:txBody>
+      </p:sp>
+      <p:sp>
+        <p:nvSpPr>
+          <p:cNvPr id="65" name="テキスト ボックス 64">
+            <a:extLst>
+              <a:ext uri="{FF2B5EF4-FFF2-40B4-BE49-F238E27FC236}">
+                <a16:creationId xmlns:a16="http://schemas.microsoft.com/office/drawing/2014/main" id="{56882FA7-E196-02B1-4011-24FC40CF22C4}"/>
+              </a:ext>
+            </a:extLst>
+          </p:cNvPr>
+          <p:cNvSpPr txBox="1"/>
+          <p:nvPr/>
+        </p:nvSpPr>
+        <p:spPr>
+          <a:xfrm>
+            <a:off x="4697539" y="4142856"/>
+            <a:ext cx="2608406" cy="215444"/>
+          </a:xfrm>
+          <a:prstGeom prst="rect">
+            <a:avLst/>
+          </a:prstGeom>
+          <a:noFill/>
+        </p:spPr>
+        <p:txBody>
+          <a:bodyPr wrap="none" rtlCol="0">
+            <a:spAutoFit/>
+          </a:bodyPr>
+          <a:lstStyle/>
+          <a:p>
+            <a:pPr algn="r"/>
+            <a:r>
+              <a:rPr lang="en-US" altLang="ja-JP" sz="800" b="0" i="0" u="none" strike="noStrike">
+                <a:solidFill>
+                  <a:schemeClr val="bg1">
+                    <a:lumMod val="65000"/>
+                  </a:schemeClr>
+                </a:solidFill>
+                <a:effectLst/>
+                <a:latin typeface="游ゴシック" panose="020B0400000000000000" pitchFamily="50" charset="-128"/>
+                <a:ea typeface="游ゴシック" panose="020B0400000000000000" pitchFamily="50" charset="-128"/>
+              </a:rPr>
+              <a:t>“VXI-11" </a:t>
+            </a:r>
+            <a:r>
+              <a:rPr lang="en-US" altLang="ja-JP" sz="800" b="0" i="0" u="none" strike="noStrike" dirty="0">
+                <a:solidFill>
+                  <a:schemeClr val="bg1">
+                    <a:lumMod val="65000"/>
+                  </a:schemeClr>
+                </a:solidFill>
+                <a:effectLst/>
+                <a:latin typeface="游ゴシック" panose="020B0400000000000000" pitchFamily="50" charset="-128"/>
+                <a:ea typeface="游ゴシック" panose="020B0400000000000000" pitchFamily="50" charset="-128"/>
+              </a:rPr>
+              <a:t>by Yamaoka is licensed under CC BY 2.0</a:t>
+            </a:r>
+            <a:r>
+              <a:rPr lang="en-US" altLang="ja-JP" sz="800" b="0" i="0" u="none" strike="noStrike" dirty="0">
+                <a:solidFill>
+                  <a:schemeClr val="bg1">
+                    <a:lumMod val="65000"/>
+                  </a:schemeClr>
+                </a:solidFill>
+                <a:effectLst/>
+                <a:latin typeface="Tahoma" panose="020B0604030504040204" pitchFamily="34" charset="0"/>
+                <a:ea typeface="游ゴシック" panose="020B0400000000000000" pitchFamily="50" charset="-128"/>
+              </a:rPr>
+              <a:t>﻿</a:t>
+            </a:r>
+            <a:r>
+              <a:rPr lang="en-US" altLang="ja-JP" sz="800" dirty="0">
+                <a:solidFill>
+                  <a:schemeClr val="bg1">
+                    <a:lumMod val="65000"/>
+                  </a:schemeClr>
+                </a:solidFill>
+              </a:rPr>
+              <a:t> </a:t>
+            </a:r>
+            <a:endParaRPr kumimoji="1" lang="ja-JP" altLang="en-US" sz="800" dirty="0">
+              <a:solidFill>
+                <a:schemeClr val="bg1">
+                  <a:lumMod val="65000"/>
+                </a:schemeClr>
+              </a:solidFill>
+            </a:endParaRPr>
+          </a:p>
+        </p:txBody>
+      </p:sp>
+      <p:sp>
+        <p:nvSpPr>
+          <p:cNvPr id="5" name="正方形/長方形 4">
+            <a:extLst>
+              <a:ext uri="{FF2B5EF4-FFF2-40B4-BE49-F238E27FC236}">
+                <a16:creationId xmlns:a16="http://schemas.microsoft.com/office/drawing/2014/main" id="{02830653-B0CE-6360-A431-D0FA48C96502}"/>
+              </a:ext>
+            </a:extLst>
+          </p:cNvPr>
+          <p:cNvSpPr/>
+          <p:nvPr/>
+        </p:nvSpPr>
+        <p:spPr>
+          <a:xfrm>
+            <a:off x="2991506" y="3644370"/>
+            <a:ext cx="72000" cy="72000"/>
+          </a:xfrm>
+          <a:prstGeom prst="rect">
+            <a:avLst/>
+          </a:prstGeom>
+          <a:solidFill>
+            <a:schemeClr val="bg1"/>
+          </a:solidFill>
+          <a:ln>
+            <a:solidFill>
+              <a:schemeClr val="tx1"/>
+            </a:solidFill>
+          </a:ln>
+        </p:spPr>
+        <p:style>
+          <a:lnRef idx="2">
+            <a:schemeClr val="accent1">
+              <a:shade val="50000"/>
+            </a:schemeClr>
+          </a:lnRef>
+          <a:fillRef idx="1">
+            <a:schemeClr val="accent1"/>
+          </a:fillRef>
+          <a:effectRef idx="0">
+            <a:schemeClr val="accent1"/>
+          </a:effectRef>
+          <a:fontRef idx="minor">
+            <a:schemeClr val="lt1"/>
+          </a:fontRef>
+        </p:style>
+        <p:txBody>
+          <a:bodyPr rtlCol="0" anchor="ctr"/>
+          <a:lstStyle/>
+          <a:p>
+            <a:pPr algn="ctr"/>
+            <a:endParaRPr kumimoji="1" lang="ja-JP" altLang="en-US"/>
+          </a:p>
+        </p:txBody>
+      </p:sp>
+      <p:cxnSp>
+        <p:nvCxnSpPr>
+          <p:cNvPr id="57" name="直線矢印コネクタ 56">
+            <a:extLst>
+              <a:ext uri="{FF2B5EF4-FFF2-40B4-BE49-F238E27FC236}">
+                <a16:creationId xmlns:a16="http://schemas.microsoft.com/office/drawing/2014/main" id="{CDE06F9E-87C1-3264-4D4C-379AD5D49650}"/>
+              </a:ext>
+            </a:extLst>
+          </p:cNvPr>
+          <p:cNvCxnSpPr>
+            <a:cxnSpLocks/>
+            <a:stCxn id="5" idx="1"/>
+            <a:endCxn id="10" idx="3"/>
+          </p:cNvCxnSpPr>
+          <p:nvPr/>
+        </p:nvCxnSpPr>
+        <p:spPr>
+          <a:xfrm flipH="1" flipV="1">
+            <a:off x="2131291" y="3679252"/>
+            <a:ext cx="860215" cy="1118"/>
+          </a:xfrm>
+          <a:prstGeom prst="straightConnector1">
+            <a:avLst/>
+          </a:prstGeom>
+          <a:ln>
+            <a:solidFill>
+              <a:schemeClr val="accent1"/>
+            </a:solidFill>
+            <a:tailEnd type="triangle"/>
+          </a:ln>
+        </p:spPr>
+        <p:style>
+          <a:lnRef idx="1">
+            <a:schemeClr val="accent1"/>
+          </a:lnRef>
+          <a:fillRef idx="0">
+            <a:schemeClr val="accent1"/>
+          </a:fillRef>
+          <a:effectRef idx="0">
+            <a:schemeClr val="accent1"/>
+          </a:effectRef>
+          <a:fontRef idx="minor">
+            <a:schemeClr val="tx1"/>
+          </a:fontRef>
+        </p:style>
+      </p:cxnSp>
     </p:spTree>
     <p:extLst>
       <p:ext uri="{BB962C8B-B14F-4D97-AF65-F5344CB8AC3E}">
